--- a/project_proposal_presentation_report/RNA Secondary structure prediction using Stochastic context free.pptx
+++ b/project_proposal_presentation_report/RNA Secondary structure prediction using Stochastic context free.pptx
@@ -278,7 +278,7 @@
 <file path=ppt/revisionInfo.xml><?xml version="1.0" encoding="utf-8"?>
 <p1510:revInfo xmlns:a="http://schemas.openxmlformats.org/drawingml/2006/main" xmlns:r="http://schemas.openxmlformats.org/officeDocument/2006/relationships" xmlns:p1510="http://schemas.microsoft.com/office/powerpoint/2015/10/main">
   <p1510:revLst>
-    <p1510:client id="{92F7C80D-83FE-4A49-9EA0-083096D204B6}" v="5959" dt="2023-04-17T06:43:09.589"/>
+    <p1510:client id="{92F7C80D-83FE-4A49-9EA0-083096D204B6}" v="6023" dt="2023-04-19T09:20:59.408"/>
   </p1510:revLst>
 </p1510:revInfo>
 </file>
@@ -288,7 +288,7 @@
   <pc:docChgLst>
     <pc:chgData name="Sudhanshu Bharadwaj" userId="599207c7-ca9f-4e47-b346-b0daf3f7ca37" providerId="ADAL" clId="{92F7C80D-83FE-4A49-9EA0-083096D204B6}"/>
     <pc:docChg chg="undo custSel addSld delSld modSld sldOrd">
-      <pc:chgData name="Sudhanshu Bharadwaj" userId="599207c7-ca9f-4e47-b346-b0daf3f7ca37" providerId="ADAL" clId="{92F7C80D-83FE-4A49-9EA0-083096D204B6}" dt="2023-04-17T06:43:16.847" v="13759" actId="14100"/>
+      <pc:chgData name="Sudhanshu Bharadwaj" userId="599207c7-ca9f-4e47-b346-b0daf3f7ca37" providerId="ADAL" clId="{92F7C80D-83FE-4A49-9EA0-083096D204B6}" dt="2023-04-19T09:20:59.408" v="13887" actId="20577"/>
       <pc:docMkLst>
         <pc:docMk/>
       </pc:docMkLst>
@@ -1486,7 +1486,7 @@
         </pc:sldMkLst>
       </pc:sldChg>
       <pc:sldChg chg="addSp delSp modSp add mod modNotesTx">
-        <pc:chgData name="Sudhanshu Bharadwaj" userId="599207c7-ca9f-4e47-b346-b0daf3f7ca37" providerId="ADAL" clId="{92F7C80D-83FE-4A49-9EA0-083096D204B6}" dt="2023-04-05T04:28:23.888" v="10882" actId="1036"/>
+        <pc:chgData name="Sudhanshu Bharadwaj" userId="599207c7-ca9f-4e47-b346-b0daf3f7ca37" providerId="ADAL" clId="{92F7C80D-83FE-4A49-9EA0-083096D204B6}" dt="2023-04-19T01:34:28.076" v="13784" actId="20577"/>
         <pc:sldMkLst>
           <pc:docMk/>
           <pc:sldMk cId="1401310057" sldId="300"/>
@@ -1500,7 +1500,7 @@
           </ac:spMkLst>
         </pc:spChg>
         <pc:spChg chg="mod ord">
-          <ac:chgData name="Sudhanshu Bharadwaj" userId="599207c7-ca9f-4e47-b346-b0daf3f7ca37" providerId="ADAL" clId="{92F7C80D-83FE-4A49-9EA0-083096D204B6}" dt="2023-04-04T17:53:11.401" v="6190" actId="20577"/>
+          <ac:chgData name="Sudhanshu Bharadwaj" userId="599207c7-ca9f-4e47-b346-b0daf3f7ca37" providerId="ADAL" clId="{92F7C80D-83FE-4A49-9EA0-083096D204B6}" dt="2023-04-19T01:34:28.076" v="13784" actId="20577"/>
           <ac:spMkLst>
             <pc:docMk/>
             <pc:sldMk cId="1401310057" sldId="300"/>
@@ -1589,7 +1589,7 @@
         </pc:picChg>
       </pc:sldChg>
       <pc:sldChg chg="addSp modSp add mod">
-        <pc:chgData name="Sudhanshu Bharadwaj" userId="599207c7-ca9f-4e47-b346-b0daf3f7ca37" providerId="ADAL" clId="{92F7C80D-83FE-4A49-9EA0-083096D204B6}" dt="2023-04-04T19:31:34.836" v="8184" actId="20577"/>
+        <pc:chgData name="Sudhanshu Bharadwaj" userId="599207c7-ca9f-4e47-b346-b0daf3f7ca37" providerId="ADAL" clId="{92F7C80D-83FE-4A49-9EA0-083096D204B6}" dt="2023-04-19T09:20:59.408" v="13887" actId="20577"/>
         <pc:sldMkLst>
           <pc:docMk/>
           <pc:sldMk cId="1769182943" sldId="301"/>
@@ -1611,7 +1611,7 @@
           </ac:spMkLst>
         </pc:spChg>
         <pc:spChg chg="mod ord">
-          <ac:chgData name="Sudhanshu Bharadwaj" userId="599207c7-ca9f-4e47-b346-b0daf3f7ca37" providerId="ADAL" clId="{92F7C80D-83FE-4A49-9EA0-083096D204B6}" dt="2023-04-04T19:31:34.836" v="8184" actId="20577"/>
+          <ac:chgData name="Sudhanshu Bharadwaj" userId="599207c7-ca9f-4e47-b346-b0daf3f7ca37" providerId="ADAL" clId="{92F7C80D-83FE-4A49-9EA0-083096D204B6}" dt="2023-04-19T09:20:59.408" v="13887" actId="20577"/>
           <ac:spMkLst>
             <pc:docMk/>
             <pc:sldMk cId="1769182943" sldId="301"/>
@@ -1715,7 +1715,7 @@
         </pc:picChg>
       </pc:sldChg>
       <pc:sldChg chg="addSp delSp modSp add mod ord">
-        <pc:chgData name="Sudhanshu Bharadwaj" userId="599207c7-ca9f-4e47-b346-b0daf3f7ca37" providerId="ADAL" clId="{92F7C80D-83FE-4A49-9EA0-083096D204B6}" dt="2023-04-05T04:38:13.740" v="10896" actId="1076"/>
+        <pc:chgData name="Sudhanshu Bharadwaj" userId="599207c7-ca9f-4e47-b346-b0daf3f7ca37" providerId="ADAL" clId="{92F7C80D-83FE-4A49-9EA0-083096D204B6}" dt="2023-04-19T01:37:42.965" v="13825" actId="20577"/>
         <pc:sldMkLst>
           <pc:docMk/>
           <pc:sldMk cId="3225675009" sldId="303"/>
@@ -1729,7 +1729,7 @@
           </ac:spMkLst>
         </pc:spChg>
         <pc:spChg chg="mod ord">
-          <ac:chgData name="Sudhanshu Bharadwaj" userId="599207c7-ca9f-4e47-b346-b0daf3f7ca37" providerId="ADAL" clId="{92F7C80D-83FE-4A49-9EA0-083096D204B6}" dt="2023-04-04T19:25:47.609" v="8164" actId="20577"/>
+          <ac:chgData name="Sudhanshu Bharadwaj" userId="599207c7-ca9f-4e47-b346-b0daf3f7ca37" providerId="ADAL" clId="{92F7C80D-83FE-4A49-9EA0-083096D204B6}" dt="2023-04-19T01:37:42.965" v="13825" actId="20577"/>
           <ac:spMkLst>
             <pc:docMk/>
             <pc:sldMk cId="3225675009" sldId="303"/>
@@ -1816,8 +1816,8 @@
             <ac:picMk id="12" creationId="{D1FF61C5-0F9A-19CB-229F-B0D846539B36}"/>
           </ac:picMkLst>
         </pc:picChg>
-        <pc:picChg chg="ord">
-          <ac:chgData name="Sudhanshu Bharadwaj" userId="599207c7-ca9f-4e47-b346-b0daf3f7ca37" providerId="ADAL" clId="{92F7C80D-83FE-4A49-9EA0-083096D204B6}" dt="2023-04-04T18:34:23.405" v="7181" actId="171"/>
+        <pc:picChg chg="mod ord">
+          <ac:chgData name="Sudhanshu Bharadwaj" userId="599207c7-ca9f-4e47-b346-b0daf3f7ca37" providerId="ADAL" clId="{92F7C80D-83FE-4A49-9EA0-083096D204B6}" dt="2023-04-19T01:37:40.492" v="13823" actId="1076"/>
           <ac:picMkLst>
             <pc:docMk/>
             <pc:sldMk cId="3225675009" sldId="303"/>
@@ -26949,7 +26949,7 @@
                     </a:solidFill>
                     <a:latin typeface="+mj-lt"/>
                   </a:rPr>
-                  <a:t>The algorithm:</a:t>
+                  <a:t>Inside Algorithm:</a:t>
                 </a:r>
                 <a:br>
                   <a:rPr lang="en-IN" b="1" dirty="0"/>
@@ -28594,8 +28594,8 @@
           </a:prstGeom>
         </p:spPr>
       </p:pic>
-      <mc:AlternateContent xmlns:mc="http://schemas.openxmlformats.org/markup-compatibility/2006" xmlns:a14="http://schemas.microsoft.com/office/drawing/2010/main">
-        <mc:Choice Requires="a14">
+      <mc:AlternateContent xmlns:mc="http://schemas.openxmlformats.org/markup-compatibility/2006">
+        <mc:Choice xmlns:a14="http://schemas.microsoft.com/office/drawing/2010/main" Requires="a14">
           <p:sp>
             <p:nvSpPr>
               <p:cNvPr id="5" name="TextBox 4">
@@ -28611,7 +28611,7 @@
             <p:spPr>
               <a:xfrm>
                 <a:off x="111759" y="2201671"/>
-                <a:ext cx="6467430" cy="4476738"/>
+                <a:ext cx="6467430" cy="4579139"/>
               </a:xfrm>
               <a:prstGeom prst="rect">
                 <a:avLst/>
@@ -28637,7 +28637,7 @@
                     </a:solidFill>
                     <a:latin typeface="+mj-lt"/>
                   </a:rPr>
-                  <a:t>The algorithm:</a:t>
+                  <a:t>CYK Algorithm:</a:t>
                 </a:r>
                 <a:br>
                   <a:rPr lang="en-IN" b="1" dirty="0"/>
@@ -29581,57 +29581,109 @@
                         </m:r>
                       </m:fName>
                       <m:e>
-                        <m:r>
-                          <a:rPr lang="en-IN" i="1">
-                            <a:latin typeface="Cambria Math" panose="02040503050406030204" pitchFamily="18" charset="0"/>
-                          </a:rPr>
-                          <m:t>{</m:t>
-                        </m:r>
-                        <m:func>
-                          <m:funcPr>
+                        <m:eqArr>
+                          <m:eqArrPr>
                             <m:ctrlPr>
                               <a:rPr lang="en-IN" i="1">
                                 <a:latin typeface="Cambria Math" panose="02040503050406030204" pitchFamily="18" charset="0"/>
                               </a:rPr>
                             </m:ctrlPr>
-                          </m:funcPr>
-                          <m:fName>
+                          </m:eqArrPr>
+                          <m:e>
                             <m:r>
-                              <m:rPr>
-                                <m:sty m:val="p"/>
-                              </m:rPr>
-                              <a:rPr lang="en-IN">
+                              <a:rPr lang="en-IN" i="1">
                                 <a:latin typeface="Cambria Math" panose="02040503050406030204" pitchFamily="18" charset="0"/>
                               </a:rPr>
-                              <m:t>log</m:t>
+                              <m:t>{</m:t>
                             </m:r>
-                          </m:fName>
-                          <m:e>
-                            <m:sSub>
-                              <m:sSubPr>
+                            <m:func>
+                              <m:funcPr>
                                 <m:ctrlPr>
                                   <a:rPr lang="en-IN" i="1">
                                     <a:latin typeface="Cambria Math" panose="02040503050406030204" pitchFamily="18" charset="0"/>
                                   </a:rPr>
                                 </m:ctrlPr>
-                              </m:sSubPr>
+                              </m:funcPr>
+                              <m:fName>
+                                <m:r>
+                                  <m:rPr>
+                                    <m:sty m:val="p"/>
+                                  </m:rPr>
+                                  <a:rPr lang="en-IN">
+                                    <a:latin typeface="Cambria Math" panose="02040503050406030204" pitchFamily="18" charset="0"/>
+                                  </a:rPr>
+                                  <m:t>log</m:t>
+                                </m:r>
+                              </m:fName>
                               <m:e>
+                                <m:sSub>
+                                  <m:sSubPr>
+                                    <m:ctrlPr>
+                                      <a:rPr lang="en-IN" i="1">
+                                        <a:latin typeface="Cambria Math" panose="02040503050406030204" pitchFamily="18" charset="0"/>
+                                      </a:rPr>
+                                    </m:ctrlPr>
+                                  </m:sSubPr>
+                                  <m:e>
+                                    <m:r>
+                                      <a:rPr lang="en-IN" i="1">
+                                        <a:latin typeface="Cambria Math" panose="02040503050406030204" pitchFamily="18" charset="0"/>
+                                      </a:rPr>
+                                      <m:t>𝑡</m:t>
+                                    </m:r>
+                                  </m:e>
+                                  <m:sub>
+                                    <m:r>
+                                      <a:rPr lang="en-IN" i="1">
+                                        <a:latin typeface="Cambria Math" panose="02040503050406030204" pitchFamily="18" charset="0"/>
+                                      </a:rPr>
+                                      <m:t>𝑣</m:t>
+                                    </m:r>
+                                  </m:sub>
+                                </m:sSub>
+                                <m:d>
+                                  <m:dPr>
+                                    <m:ctrlPr>
+                                      <a:rPr lang="en-IN" i="1">
+                                        <a:latin typeface="Cambria Math" panose="02040503050406030204" pitchFamily="18" charset="0"/>
+                                      </a:rPr>
+                                    </m:ctrlPr>
+                                  </m:dPr>
+                                  <m:e>
+                                    <m:r>
+                                      <a:rPr lang="en-IN" i="1">
+                                        <a:latin typeface="Cambria Math" panose="02040503050406030204" pitchFamily="18" charset="0"/>
+                                      </a:rPr>
+                                      <m:t>𝑦</m:t>
+                                    </m:r>
+                                    <m:r>
+                                      <a:rPr lang="en-IN" i="1">
+                                        <a:latin typeface="Cambria Math" panose="02040503050406030204" pitchFamily="18" charset="0"/>
+                                      </a:rPr>
+                                      <m:t>,</m:t>
+                                    </m:r>
+                                    <m:r>
+                                      <a:rPr lang="en-IN" i="1">
+                                        <a:latin typeface="Cambria Math" panose="02040503050406030204" pitchFamily="18" charset="0"/>
+                                      </a:rPr>
+                                      <m:t>𝑧</m:t>
+                                    </m:r>
+                                  </m:e>
+                                </m:d>
                                 <m:r>
                                   <a:rPr lang="en-IN" i="1">
                                     <a:latin typeface="Cambria Math" panose="02040503050406030204" pitchFamily="18" charset="0"/>
                                   </a:rPr>
-                                  <m:t>𝑡</m:t>
+                                  <m:t>+</m:t>
                                 </m:r>
                               </m:e>
-                              <m:sub>
-                                <m:r>
-                                  <a:rPr lang="en-IN" i="1">
-                                    <a:latin typeface="Cambria Math" panose="02040503050406030204" pitchFamily="18" charset="0"/>
-                                  </a:rPr>
-                                  <m:t>𝑣</m:t>
-                                </m:r>
-                              </m:sub>
-                            </m:sSub>
+                            </m:func>
+                            <m:r>
+                              <a:rPr lang="en-IN" i="1">
+                                <a:latin typeface="Cambria Math" panose="02040503050406030204" pitchFamily="18" charset="0"/>
+                              </a:rPr>
+                              <m:t>𝛾</m:t>
+                            </m:r>
                             <m:d>
                               <m:dPr>
                                 <m:ctrlPr>
@@ -29645,7 +29697,73 @@
                                   <a:rPr lang="en-IN" i="1">
                                     <a:latin typeface="Cambria Math" panose="02040503050406030204" pitchFamily="18" charset="0"/>
                                   </a:rPr>
+                                  <m:t>𝑖</m:t>
+                                </m:r>
+                                <m:r>
+                                  <a:rPr lang="en-IN" i="1">
+                                    <a:latin typeface="Cambria Math" panose="02040503050406030204" pitchFamily="18" charset="0"/>
+                                  </a:rPr>
+                                  <m:t>,</m:t>
+                                </m:r>
+                                <m:r>
+                                  <a:rPr lang="en-IN" i="1">
+                                    <a:latin typeface="Cambria Math" panose="02040503050406030204" pitchFamily="18" charset="0"/>
+                                  </a:rPr>
+                                  <m:t>𝑘</m:t>
+                                </m:r>
+                                <m:r>
+                                  <a:rPr lang="en-IN" i="1">
+                                    <a:latin typeface="Cambria Math" panose="02040503050406030204" pitchFamily="18" charset="0"/>
+                                  </a:rPr>
+                                  <m:t>,</m:t>
+                                </m:r>
+                                <m:r>
+                                  <a:rPr lang="en-IN" i="1">
+                                    <a:latin typeface="Cambria Math" panose="02040503050406030204" pitchFamily="18" charset="0"/>
+                                  </a:rPr>
                                   <m:t>𝑦</m:t>
+                                </m:r>
+                              </m:e>
+                            </m:d>
+                            <m:r>
+                              <a:rPr lang="en-IN" b="0" i="1" smtClean="0">
+                                <a:latin typeface="Cambria Math" panose="02040503050406030204" pitchFamily="18" charset="0"/>
+                              </a:rPr>
+                              <m:t>+</m:t>
+                            </m:r>
+                            <m:r>
+                              <a:rPr lang="en-IN" i="1">
+                                <a:latin typeface="Cambria Math" panose="02040503050406030204" pitchFamily="18" charset="0"/>
+                              </a:rPr>
+                              <m:t>𝛾</m:t>
+                            </m:r>
+                            <m:d>
+                              <m:dPr>
+                                <m:endChr m:val="}"/>
+                                <m:ctrlPr>
+                                  <a:rPr lang="en-IN" i="1">
+                                    <a:latin typeface="Cambria Math" panose="02040503050406030204" pitchFamily="18" charset="0"/>
+                                  </a:rPr>
+                                </m:ctrlPr>
+                              </m:dPr>
+                              <m:e>
+                                <m:r>
+                                  <a:rPr lang="en-IN" i="1">
+                                    <a:latin typeface="Cambria Math" panose="02040503050406030204" pitchFamily="18" charset="0"/>
+                                  </a:rPr>
+                                  <m:t>𝑘</m:t>
+                                </m:r>
+                                <m:r>
+                                  <a:rPr lang="en-IN" i="1">
+                                    <a:latin typeface="Cambria Math" panose="02040503050406030204" pitchFamily="18" charset="0"/>
+                                  </a:rPr>
+                                  <m:t>+1,</m:t>
+                                </m:r>
+                                <m:r>
+                                  <a:rPr lang="en-IN" i="1">
+                                    <a:latin typeface="Cambria Math" panose="02040503050406030204" pitchFamily="18" charset="0"/>
+                                  </a:rPr>
+                                  <m:t>𝑗</m:t>
                                 </m:r>
                                 <m:r>
                                   <a:rPr lang="en-IN" i="1">
@@ -29659,130 +29777,99 @@
                                   </a:rPr>
                                   <m:t>𝑧</m:t>
                                 </m:r>
+                                <m:r>
+                                  <m:rPr>
+                                    <m:nor/>
+                                  </m:rPr>
+                                  <a:rPr lang="en-IN" dirty="0"/>
+                                  <m:t>)</m:t>
+                                </m:r>
                               </m:e>
                             </m:d>
+                          </m:e>
+                          <m:e>
+                            <m:func>
+                              <m:funcPr>
+                                <m:ctrlPr>
+                                  <a:rPr lang="en-IN" i="1">
+                                    <a:latin typeface="Cambria Math" panose="02040503050406030204" pitchFamily="18" charset="0"/>
+                                  </a:rPr>
+                                </m:ctrlPr>
+                              </m:funcPr>
+                              <m:fName>
+                                <m:r>
+                                  <m:rPr>
+                                    <m:sty m:val="p"/>
+                                  </m:rPr>
+                                  <a:rPr lang="en-IN">
+                                    <a:latin typeface="Cambria Math" panose="02040503050406030204" pitchFamily="18" charset="0"/>
+                                  </a:rPr>
+                                  <m:t>log</m:t>
+                                </m:r>
+                              </m:fName>
+                              <m:e>
+                                <m:sSub>
+                                  <m:sSubPr>
+                                    <m:ctrlPr>
+                                      <a:rPr lang="en-IN" i="1">
+                                        <a:latin typeface="Cambria Math" panose="02040503050406030204" pitchFamily="18" charset="0"/>
+                                      </a:rPr>
+                                    </m:ctrlPr>
+                                  </m:sSubPr>
+                                  <m:e>
+                                    <m:r>
+                                      <a:rPr lang="en-IN" i="1">
+                                        <a:latin typeface="Cambria Math" panose="02040503050406030204" pitchFamily="18" charset="0"/>
+                                      </a:rPr>
+                                      <m:t>𝑟</m:t>
+                                    </m:r>
+                                  </m:e>
+                                  <m:sub>
+                                    <m:r>
+                                      <a:rPr lang="en-IN" i="1">
+                                        <a:latin typeface="Cambria Math" panose="02040503050406030204" pitchFamily="18" charset="0"/>
+                                      </a:rPr>
+                                      <m:t>𝑣</m:t>
+                                    </m:r>
+                                  </m:sub>
+                                </m:sSub>
+                                <m:r>
+                                  <a:rPr lang="en-IN" i="1">
+                                    <a:latin typeface="Cambria Math" panose="02040503050406030204" pitchFamily="18" charset="0"/>
+                                  </a:rPr>
+                                  <m:t>(</m:t>
+                                </m:r>
+                                <m:r>
+                                  <a:rPr lang="en-IN" i="1">
+                                    <a:latin typeface="Cambria Math" panose="02040503050406030204" pitchFamily="18" charset="0"/>
+                                  </a:rPr>
+                                  <m:t>𝑥</m:t>
+                                </m:r>
+                                <m:r>
+                                  <a:rPr lang="en-IN" i="1">
+                                    <a:latin typeface="Cambria Math" panose="02040503050406030204" pitchFamily="18" charset="0"/>
+                                  </a:rPr>
+                                  <m:t>)</m:t>
+                                </m:r>
+                              </m:e>
+                            </m:func>
                             <m:r>
-                              <a:rPr lang="en-IN" i="1">
+                              <a:rPr lang="en-IN" b="0" i="1" smtClean="0">
                                 <a:latin typeface="Cambria Math" panose="02040503050406030204" pitchFamily="18" charset="0"/>
                               </a:rPr>
-                              <m:t>+</m:t>
-                            </m:r>
-                          </m:e>
-                        </m:func>
-                        <m:r>
-                          <a:rPr lang="en-IN" i="1">
-                            <a:latin typeface="Cambria Math" panose="02040503050406030204" pitchFamily="18" charset="0"/>
-                          </a:rPr>
-                          <m:t>𝛾</m:t>
-                        </m:r>
-                        <m:d>
-                          <m:dPr>
-                            <m:ctrlPr>
-                              <a:rPr lang="en-IN" i="1">
-                                <a:latin typeface="Cambria Math" panose="02040503050406030204" pitchFamily="18" charset="0"/>
-                              </a:rPr>
-                            </m:ctrlPr>
-                          </m:dPr>
-                          <m:e>
-                            <m:r>
-                              <a:rPr lang="en-IN" i="1">
-                                <a:latin typeface="Cambria Math" panose="02040503050406030204" pitchFamily="18" charset="0"/>
-                              </a:rPr>
-                              <m:t>𝑖</m:t>
-                            </m:r>
-                            <m:r>
-                              <a:rPr lang="en-IN" i="1">
-                                <a:latin typeface="Cambria Math" panose="02040503050406030204" pitchFamily="18" charset="0"/>
-                              </a:rPr>
-                              <m:t>,</m:t>
-                            </m:r>
-                            <m:r>
-                              <a:rPr lang="en-IN" i="1">
-                                <a:latin typeface="Cambria Math" panose="02040503050406030204" pitchFamily="18" charset="0"/>
-                              </a:rPr>
-                              <m:t>𝑘</m:t>
-                            </m:r>
-                            <m:r>
-                              <a:rPr lang="en-IN" i="1">
-                                <a:latin typeface="Cambria Math" panose="02040503050406030204" pitchFamily="18" charset="0"/>
-                              </a:rPr>
-                              <m:t>,</m:t>
-                            </m:r>
-                            <m:r>
-                              <a:rPr lang="en-IN" i="1">
-                                <a:latin typeface="Cambria Math" panose="02040503050406030204" pitchFamily="18" charset="0"/>
-                              </a:rPr>
-                              <m:t>𝑦</m:t>
-                            </m:r>
-                          </m:e>
-                        </m:d>
-                        <m:r>
-                          <a:rPr lang="en-IN" b="0" i="1" smtClean="0">
-                            <a:latin typeface="Cambria Math" panose="02040503050406030204" pitchFamily="18" charset="0"/>
-                          </a:rPr>
-                          <m:t>+</m:t>
-                        </m:r>
-                        <m:r>
-                          <a:rPr lang="en-IN" i="1">
-                            <a:latin typeface="Cambria Math" panose="02040503050406030204" pitchFamily="18" charset="0"/>
-                          </a:rPr>
-                          <m:t>𝛾</m:t>
-                        </m:r>
-                        <m:d>
-                          <m:dPr>
-                            <m:endChr m:val="}"/>
-                            <m:ctrlPr>
-                              <a:rPr lang="en-IN" i="1">
-                                <a:latin typeface="Cambria Math" panose="02040503050406030204" pitchFamily="18" charset="0"/>
-                              </a:rPr>
-                            </m:ctrlPr>
-                          </m:dPr>
-                          <m:e>
-                            <m:r>
-                              <a:rPr lang="en-IN" i="1">
-                                <a:latin typeface="Cambria Math" panose="02040503050406030204" pitchFamily="18" charset="0"/>
-                              </a:rPr>
-                              <m:t>𝑘</m:t>
-                            </m:r>
-                            <m:r>
-                              <a:rPr lang="en-IN" i="1">
-                                <a:latin typeface="Cambria Math" panose="02040503050406030204" pitchFamily="18" charset="0"/>
-                              </a:rPr>
-                              <m:t>+1,</m:t>
-                            </m:r>
-                            <m:r>
-                              <a:rPr lang="en-IN" i="1">
-                                <a:latin typeface="Cambria Math" panose="02040503050406030204" pitchFamily="18" charset="0"/>
-                              </a:rPr>
-                              <m:t>𝑗</m:t>
-                            </m:r>
-                            <m:r>
-                              <a:rPr lang="en-IN" i="1">
-                                <a:latin typeface="Cambria Math" panose="02040503050406030204" pitchFamily="18" charset="0"/>
-                              </a:rPr>
-                              <m:t>,</m:t>
-                            </m:r>
-                            <m:r>
-                              <a:rPr lang="en-IN" i="1">
-                                <a:latin typeface="Cambria Math" panose="02040503050406030204" pitchFamily="18" charset="0"/>
-                              </a:rPr>
-                              <m:t>𝑧</m:t>
+                              <m:t>+\</m:t>
                             </m:r>
                             <m:r>
                               <m:rPr>
-                                <m:nor/>
+                                <m:sty m:val="p"/>
                               </m:rPr>
-                              <a:rPr lang="en-IN" dirty="0"/>
-                              <m:t>)</m:t>
+                              <a:rPr lang="en-IN" b="0" i="1" smtClean="0">
+                                <a:latin typeface="Cambria Math" panose="02040503050406030204" pitchFamily="18" charset="0"/>
+                              </a:rPr>
+                              <m:t>gamma</m:t>
                             </m:r>
                           </m:e>
-                        </m:d>
-                        <m:r>
-                          <a:rPr lang="en-IN" i="1">
-                            <a:latin typeface="Cambria Math" panose="02040503050406030204" pitchFamily="18" charset="0"/>
-                          </a:rPr>
-                          <m:t>  </m:t>
-                        </m:r>
+                        </m:eqArr>
                       </m:e>
                     </m:func>
                   </m:oMath>
@@ -30012,7 +30099,7 @@
             </p:txBody>
           </p:sp>
         </mc:Choice>
-        <mc:Fallback xmlns="">
+        <mc:Fallback>
           <p:sp>
             <p:nvSpPr>
               <p:cNvPr id="5" name="TextBox 4">
@@ -30030,7 +30117,7 @@
             <p:spPr>
               <a:xfrm>
                 <a:off x="111759" y="2201671"/>
-                <a:ext cx="6467430" cy="4476738"/>
+                <a:ext cx="6467430" cy="4579139"/>
               </a:xfrm>
               <a:prstGeom prst="rect">
                 <a:avLst/>
@@ -30038,7 +30125,7 @@
               <a:blipFill>
                 <a:blip r:embed="rId4"/>
                 <a:stretch>
-                  <a:fillRect l="-470" t="-1493"/>
+                  <a:fillRect l="-470" t="-1461"/>
                 </a:stretch>
               </a:blipFill>
               <a:ln>
@@ -30655,7 +30742,7 @@
         </p:blipFill>
         <p:spPr>
           <a:xfrm>
-            <a:off x="0" y="197247"/>
+            <a:off x="-134754" y="-601650"/>
             <a:ext cx="2057506" cy="1917799"/>
           </a:xfrm>
           <a:prstGeom prst="rect">
@@ -30706,7 +30793,7 @@
                     </a:solidFill>
                     <a:latin typeface="+mj-lt"/>
                   </a:rPr>
-                  <a:t>The algorithm:</a:t>
+                  <a:t>Outside Algorithm:</a:t>
                 </a:r>
                 <a:br>
                   <a:rPr lang="en-IN" b="1" dirty="0"/>
@@ -33833,8 +33920,8 @@
           </a:p>
         </p:txBody>
       </p:sp>
-      <mc:AlternateContent xmlns:mc="http://schemas.openxmlformats.org/markup-compatibility/2006">
-        <mc:Choice xmlns:a14="http://schemas.microsoft.com/office/drawing/2010/main" Requires="a14">
+      <mc:AlternateContent xmlns:mc="http://schemas.openxmlformats.org/markup-compatibility/2006" xmlns:a14="http://schemas.microsoft.com/office/drawing/2010/main">
+        <mc:Choice Requires="a14">
           <p:sp>
             <p:nvSpPr>
               <p:cNvPr id="3" name="Content Placeholder 2">
@@ -34322,7 +34409,7 @@
                         <a:rPr lang="en-IN" sz="2000" i="1">
                           <a:latin typeface="Cambria Math" panose="02040503050406030204" pitchFamily="18" charset="0"/>
                         </a:rPr>
-                        <m:t>-</m:t>
+                        <m:t>−</m:t>
                       </m:r>
                       <m:r>
                         <a:rPr lang="en-IN" sz="2000" i="1">
@@ -34363,7 +34450,7 @@
             </p:txBody>
           </p:sp>
         </mc:Choice>
-        <mc:Fallback>
+        <mc:Fallback xmlns="">
           <p:sp>
             <p:nvSpPr>
               <p:cNvPr id="3" name="Content Placeholder 2">
@@ -34565,8 +34652,8 @@
           </a:p>
         </p:txBody>
       </p:sp>
-      <mc:AlternateContent xmlns:mc="http://schemas.openxmlformats.org/markup-compatibility/2006">
-        <mc:Choice xmlns:a14="http://schemas.microsoft.com/office/drawing/2010/main" Requires="a14">
+      <mc:AlternateContent xmlns:mc="http://schemas.openxmlformats.org/markup-compatibility/2006" xmlns:a14="http://schemas.microsoft.com/office/drawing/2010/main">
+        <mc:Choice Requires="a14">
           <p:sp>
             <p:nvSpPr>
               <p:cNvPr id="3" name="Content Placeholder 2">
@@ -35092,7 +35179,7 @@
                       <a:rPr lang="en-US" sz="1800" i="1">
                         <a:latin typeface="Cambria Math" panose="02040503050406030204" pitchFamily="18" charset="0"/>
                       </a:rPr>
-                      <m:t>-</m:t>
+                      <m:t>−</m:t>
                     </m:r>
                     <m:r>
                       <a:rPr lang="en-US" sz="1800" i="1">
@@ -35192,13 +35279,7 @@
                           <a:rPr lang="en-IN" sz="1800" b="0" i="1" smtClean="0">
                             <a:latin typeface="Cambria Math" panose="02040503050406030204" pitchFamily="18" charset="0"/>
                           </a:rPr>
-                          <m:t>′</m:t>
-                        </m:r>
-                        <m:r>
-                          <a:rPr lang="en-IN" sz="1800" b="0" i="1" smtClean="0">
-                            <a:latin typeface="Cambria Math" panose="02040503050406030204" pitchFamily="18" charset="0"/>
-                          </a:rPr>
-                          <m:t> </m:t>
+                          <m:t>′ </m:t>
                         </m:r>
                       </m:sup>
                     </m:sSup>
@@ -35369,7 +35450,7 @@
             </p:txBody>
           </p:sp>
         </mc:Choice>
-        <mc:Fallback>
+        <mc:Fallback xmlns="">
           <p:sp>
             <p:nvSpPr>
               <p:cNvPr id="3" name="Content Placeholder 2">
@@ -36433,8 +36514,8 @@
           </a:p>
         </p:txBody>
       </p:sp>
-      <mc:AlternateContent xmlns:mc="http://schemas.openxmlformats.org/markup-compatibility/2006">
-        <mc:Choice xmlns:a14="http://schemas.microsoft.com/office/drawing/2010/main" Requires="a14">
+      <mc:AlternateContent xmlns:mc="http://schemas.openxmlformats.org/markup-compatibility/2006" xmlns:a14="http://schemas.microsoft.com/office/drawing/2010/main">
+        <mc:Choice Requires="a14">
           <p:sp>
             <p:nvSpPr>
               <p:cNvPr id="3" name="Content Placeholder 2">
@@ -37590,7 +37671,7 @@
             </p:txBody>
           </p:sp>
         </mc:Choice>
-        <mc:Fallback>
+        <mc:Fallback xmlns="">
           <p:sp>
             <p:nvSpPr>
               <p:cNvPr id="3" name="Content Placeholder 2">
@@ -40391,8 +40472,8 @@
           </a:p>
         </p:txBody>
       </p:sp>
-      <mc:AlternateContent xmlns:mc="http://schemas.openxmlformats.org/markup-compatibility/2006">
-        <mc:Choice xmlns:a14="http://schemas.microsoft.com/office/drawing/2010/main" Requires="a14">
+      <mc:AlternateContent xmlns:mc="http://schemas.openxmlformats.org/markup-compatibility/2006" xmlns:a14="http://schemas.microsoft.com/office/drawing/2010/main">
+        <mc:Choice Requires="a14">
           <p:sp>
             <p:nvSpPr>
               <p:cNvPr id="4" name="Text Placeholder 3">
@@ -41450,7 +41531,7 @@
             </p:txBody>
           </p:sp>
         </mc:Choice>
-        <mc:Fallback>
+        <mc:Fallback xmlns="">
           <p:sp>
             <p:nvSpPr>
               <p:cNvPr id="4" name="Text Placeholder 3">
